--- a/Elixir and Phoenix Framework.pptx
+++ b/Elixir and Phoenix Framework.pptx
@@ -5,15 +5,16 @@
     <p:sldMasterId id="2147483776" r:id="rId1"/>
   </p:sldMasterIdLst>
   <p:notesMasterIdLst>
-    <p:notesMasterId r:id="rId8"/>
+    <p:notesMasterId r:id="rId9"/>
   </p:notesMasterIdLst>
   <p:sldIdLst>
     <p:sldId id="256" r:id="rId2"/>
     <p:sldId id="266" r:id="rId3"/>
     <p:sldId id="307" r:id="rId4"/>
     <p:sldId id="308" r:id="rId5"/>
-    <p:sldId id="268" r:id="rId6"/>
-    <p:sldId id="277" r:id="rId7"/>
+    <p:sldId id="309" r:id="rId6"/>
+    <p:sldId id="268" r:id="rId7"/>
+    <p:sldId id="277" r:id="rId8"/>
   </p:sldIdLst>
   <p:sldSz cx="12192000" cy="6858000"/>
   <p:notesSz cx="6858000" cy="9144000"/>
@@ -202,7 +203,7 @@
           <a:p>
             <a:fld id="{D35E016B-36F2-432A-834D-B3A6B3F4DBD5}" type="datetimeFigureOut">
               <a:rPr lang="en-CA" smtClean="0"/>
-              <a:t>2021-03-14</a:t>
+              <a:t>2021-03-17</a:t>
             </a:fld>
             <a:endParaRPr lang="en-CA"/>
           </a:p>
@@ -740,7 +741,7 @@
           <a:p>
             <a:fld id="{DA00E316-C8FF-4C78-A458-16691ED30A80}" type="slidenum">
               <a:rPr lang="en-CA" smtClean="0"/>
-              <a:t>6</a:t>
+              <a:t>7</a:t>
             </a:fld>
             <a:endParaRPr lang="en-CA"/>
           </a:p>
@@ -908,7 +909,7 @@
           <a:p>
             <a:fld id="{72EA7947-E287-4738-8C82-07CE4F01EF03}" type="datetime2">
               <a:rPr lang="en-US" smtClean="0"/>
-              <a:t>Sunday, March 14, 2021</a:t>
+              <a:t>Wednesday, March 17, 2021</a:t>
             </a:fld>
             <a:endParaRPr lang="en-US" dirty="0"/>
           </a:p>
@@ -1111,7 +1112,7 @@
           <a:p>
             <a:fld id="{EE2EBD84-71F4-4271-8C46-0D47C0A9B12E}" type="datetime2">
               <a:rPr lang="en-US" smtClean="0"/>
-              <a:t>Sunday, March 14, 2021</a:t>
+              <a:t>Wednesday, March 17, 2021</a:t>
             </a:fld>
             <a:endParaRPr lang="en-US"/>
           </a:p>
@@ -1324,7 +1325,7 @@
           <a:p>
             <a:fld id="{ABAE0CE1-F450-4107-B2CB-17B18F8A3F4A}" type="datetime2">
               <a:rPr lang="en-US" smtClean="0"/>
-              <a:t>Sunday, March 14, 2021</a:t>
+              <a:t>Wednesday, March 17, 2021</a:t>
             </a:fld>
             <a:endParaRPr lang="en-US"/>
           </a:p>
@@ -1646,7 +1647,7 @@
           <a:p>
             <a:fld id="{6FE8C025-CD7A-4966-867E-81CF82B15267}" type="datetime2">
               <a:rPr lang="en-US" smtClean="0"/>
-              <a:t>Sunday, March 14, 2021</a:t>
+              <a:t>Wednesday, March 17, 2021</a:t>
             </a:fld>
             <a:endParaRPr lang="en-US"/>
           </a:p>
@@ -1925,7 +1926,7 @@
           <a:p>
             <a:fld id="{FE809929-0719-4517-94D6-FDF7F99E70F6}" type="datetime2">
               <a:rPr lang="en-US" smtClean="0"/>
-              <a:t>Sunday, March 14, 2021</a:t>
+              <a:t>Wednesday, March 17, 2021</a:t>
             </a:fld>
             <a:endParaRPr lang="en-US"/>
           </a:p>
@@ -2196,7 +2197,7 @@
           <a:p>
             <a:fld id="{20E95673-5512-4AAA-9AEB-E00C61EC65D5}" type="datetime2">
               <a:rPr lang="en-US" smtClean="0"/>
-              <a:t>Sunday, March 14, 2021</a:t>
+              <a:t>Wednesday, March 17, 2021</a:t>
             </a:fld>
             <a:endParaRPr lang="en-US"/>
           </a:p>
@@ -2614,7 +2615,7 @@
           <a:p>
             <a:fld id="{C13138FA-2E87-4873-8BBA-13E447C9A99A}" type="datetime2">
               <a:rPr lang="en-US" smtClean="0"/>
-              <a:t>Sunday, March 14, 2021</a:t>
+              <a:t>Wednesday, March 17, 2021</a:t>
             </a:fld>
             <a:endParaRPr lang="en-US"/>
           </a:p>
@@ -2759,7 +2760,7 @@
           <a:p>
             <a:fld id="{D75BB40A-97BD-4BFB-B639-0BFF95FDE8B7}" type="datetime2">
               <a:rPr lang="en-US" smtClean="0"/>
-              <a:t>Sunday, March 14, 2021</a:t>
+              <a:t>Wednesday, March 17, 2021</a:t>
             </a:fld>
             <a:endParaRPr lang="en-US"/>
           </a:p>
@@ -2875,7 +2876,7 @@
           <a:p>
             <a:fld id="{9EE9E0E3-ECF6-4CFE-8698-AEFEBCECC3C0}" type="datetime2">
               <a:rPr lang="en-US" smtClean="0"/>
-              <a:t>Sunday, March 14, 2021</a:t>
+              <a:t>Wednesday, March 17, 2021</a:t>
             </a:fld>
             <a:endParaRPr lang="en-US"/>
           </a:p>
@@ -3191,7 +3192,7 @@
           <a:p>
             <a:fld id="{251462FC-960E-4740-921F-B36862979F21}" type="datetime2">
               <a:rPr lang="en-US" smtClean="0"/>
-              <a:t>Sunday, March 14, 2021</a:t>
+              <a:t>Wednesday, March 17, 2021</a:t>
             </a:fld>
             <a:endParaRPr lang="en-US"/>
           </a:p>
@@ -3483,7 +3484,7 @@
           <a:p>
             <a:fld id="{E50BC9E2-CB44-4C05-9BB5-496C18A241E0}" type="datetime2">
               <a:rPr lang="en-US" smtClean="0"/>
-              <a:t>Sunday, March 14, 2021</a:t>
+              <a:t>Wednesday, March 17, 2021</a:t>
             </a:fld>
             <a:endParaRPr lang="en-US"/>
           </a:p>
@@ -3729,7 +3730,7 @@
           <a:p>
             <a:fld id="{246CB39B-5F4C-4A7E-9BE3-AAFD45576D16}" type="datetime2">
               <a:rPr lang="en-US" smtClean="0"/>
-              <a:t>Sunday, March 14, 2021</a:t>
+              <a:t>Wednesday, March 17, 2021</a:t>
             </a:fld>
             <a:endParaRPr lang="en-US" dirty="0"/>
           </a:p>
@@ -7423,6 +7424,72 @@
           <a:chExt cx="0" cy="0"/>
         </a:xfrm>
       </p:grpSpPr>
+      <p:pic>
+        <p:nvPicPr>
+          <p:cNvPr id="3" name="Picture 2" descr="A picture containing text, black&#10;&#10;Description automatically generated">
+            <a:extLst>
+              <a:ext uri="{FF2B5EF4-FFF2-40B4-BE49-F238E27FC236}">
+                <a16:creationId xmlns:a16="http://schemas.microsoft.com/office/drawing/2014/main" id="{B1E4B156-FAD0-4766-B63A-7DE89E6794B4}"/>
+              </a:ext>
+            </a:extLst>
+          </p:cNvPr>
+          <p:cNvPicPr>
+            <a:picLocks noChangeAspect="1"/>
+          </p:cNvPicPr>
+          <p:nvPr/>
+        </p:nvPicPr>
+        <p:blipFill>
+          <a:blip r:embed="rId2">
+            <a:extLst>
+              <a:ext uri="{28A0092B-C50C-407E-A947-70E740481C1C}">
+                <a14:useLocalDpi xmlns:a14="http://schemas.microsoft.com/office/drawing/2010/main" val="0"/>
+              </a:ext>
+            </a:extLst>
+          </a:blip>
+          <a:stretch>
+            <a:fillRect/>
+          </a:stretch>
+        </p:blipFill>
+        <p:spPr>
+          <a:xfrm>
+            <a:off x="3815230" y="275270"/>
+            <a:ext cx="4804136" cy="6582730"/>
+          </a:xfrm>
+          <a:prstGeom prst="rect">
+            <a:avLst/>
+          </a:prstGeom>
+        </p:spPr>
+      </p:pic>
+    </p:spTree>
+    <p:extLst>
+      <p:ext uri="{BB962C8B-B14F-4D97-AF65-F5344CB8AC3E}">
+        <p14:creationId xmlns:p14="http://schemas.microsoft.com/office/powerpoint/2010/main" val="2921457977"/>
+      </p:ext>
+    </p:extLst>
+  </p:cSld>
+  <p:clrMapOvr>
+    <a:masterClrMapping/>
+  </p:clrMapOvr>
+</p:sld>
+</file>
+
+<file path=ppt/slides/slide6.xml><?xml version="1.0" encoding="utf-8"?>
+<p:sld xmlns:a="http://schemas.openxmlformats.org/drawingml/2006/main" xmlns:r="http://schemas.openxmlformats.org/officeDocument/2006/relationships" xmlns:p="http://schemas.openxmlformats.org/presentationml/2006/main">
+  <p:cSld>
+    <p:spTree>
+      <p:nvGrpSpPr>
+        <p:cNvPr id="1" name=""/>
+        <p:cNvGrpSpPr/>
+        <p:nvPr/>
+      </p:nvGrpSpPr>
+      <p:grpSpPr>
+        <a:xfrm>
+          <a:off x="0" y="0"/>
+          <a:ext cx="0" cy="0"/>
+          <a:chOff x="0" y="0"/>
+          <a:chExt cx="0" cy="0"/>
+        </a:xfrm>
+      </p:grpSpPr>
       <p:sp>
         <p:nvSpPr>
           <p:cNvPr id="2" name="Rectangle 1">
@@ -8607,7 +8674,7 @@
 </p:sld>
 </file>
 
-<file path=ppt/slides/slide6.xml><?xml version="1.0" encoding="utf-8"?>
+<file path=ppt/slides/slide7.xml><?xml version="1.0" encoding="utf-8"?>
 <p:sld xmlns:a="http://schemas.openxmlformats.org/drawingml/2006/main" xmlns:r="http://schemas.openxmlformats.org/officeDocument/2006/relationships" xmlns:p="http://schemas.openxmlformats.org/presentationml/2006/main">
   <p:cSld>
     <p:spTree>
